--- a/Slides_Conteudo_de_Referencia/06_Model-View-Controller-v2.pptx
+++ b/Slides_Conteudo_de_Referencia/06_Model-View-Controller-v2.pptx
@@ -216,7 +216,7 @@
           <a:p>
             <a:fld id="{2C9A1903-0BF2-F745-A142-B9AFD4003DB8}" type="datetimeFigureOut">
               <a:rPr lang="en-US" smtClean="0"/>
-              <a:t>1/4/2019</a:t>
+              <a:t>1/11/2019</a:t>
             </a:fld>
             <a:endParaRPr lang="en-US"/>
           </a:p>
@@ -375,7 +375,7 @@
           <a:p>
             <a:fld id="{586A4844-41CC-BF41-B519-0EA4C1275D22}" type="slidenum">
               <a:rPr lang="en-US" smtClean="0"/>
-              <a:t>‹nº›</a:t>
+              <a:t>‹#›</a:t>
             </a:fld>
             <a:endParaRPr lang="en-US"/>
           </a:p>
@@ -714,7 +714,6 @@
               <a:rPr lang="pt-BR" noProof="0" dirty="0" smtClean="0"/>
               <a:t>https://docs.spring.io/spring/docs/current/spring-framework-reference/web.html#mvc-ann-requestmapping</a:t>
             </a:r>
-            <a:endParaRPr lang="pt-BR" noProof="0" dirty="0" smtClean="0"/>
           </a:p>
         </p:txBody>
       </p:sp>
@@ -802,7 +801,6 @@
               <a:rPr lang="pt-BR" noProof="0" dirty="0" smtClean="0"/>
               <a:t>https://docs.spring.io/spring/docs/current/spring-framework-reference/web.html#mvc-ann-requestmapping</a:t>
             </a:r>
-            <a:endParaRPr lang="pt-BR" noProof="0" dirty="0" smtClean="0"/>
           </a:p>
         </p:txBody>
       </p:sp>
@@ -890,7 +888,6 @@
               <a:rPr lang="pt-BR" noProof="0" dirty="0" smtClean="0"/>
               <a:t>https://docs.spring.io/spring/docs/current/spring-framework-reference/web.html#mvc-ann-requestmapping</a:t>
             </a:r>
-            <a:endParaRPr lang="pt-BR" noProof="0" dirty="0" smtClean="0"/>
           </a:p>
         </p:txBody>
       </p:sp>
@@ -1058,6 +1055,10 @@
           <a:bodyPr/>
           <a:lstStyle/>
           <a:p>
+            <a:r>
+              <a:rPr lang="pt-BR" noProof="0" dirty="0" smtClean="0"/>
+              <a:t>https://domineospring.wordpress.com/2015/09/16/sera-que-voce-sabe-tudo-das-configuracoes-do-seu-projeto-com-spring/</a:t>
+            </a:r>
             <a:endParaRPr lang="pt-BR" noProof="0" dirty="0"/>
           </a:p>
         </p:txBody>
@@ -1088,7 +1089,7 @@
     </p:spTree>
     <p:extLst>
       <p:ext uri="{BB962C8B-B14F-4D97-AF65-F5344CB8AC3E}">
-        <p14:creationId xmlns:p14="http://schemas.microsoft.com/office/powerpoint/2010/main" val="2866952909"/>
+        <p14:creationId xmlns:p14="http://schemas.microsoft.com/office/powerpoint/2010/main" val="4149702893"/>
       </p:ext>
     </p:extLst>
   </p:cSld>
@@ -1363,7 +1364,7 @@
           <a:p>
             <a:fld id="{2945E16F-4840-DE47-A3AB-5C9E0815BE1A}" type="datetimeFigureOut">
               <a:rPr lang="en-US" smtClean="0"/>
-              <a:t>1/4/2019</a:t>
+              <a:t>1/11/2019</a:t>
             </a:fld>
             <a:endParaRPr lang="en-US"/>
           </a:p>
@@ -1405,7 +1406,7 @@
           <a:p>
             <a:fld id="{825CA4A4-722C-0545-B923-FC1AFF0745DC}" type="slidenum">
               <a:rPr lang="en-US" smtClean="0"/>
-              <a:t>‹nº›</a:t>
+              <a:t>‹#›</a:t>
             </a:fld>
             <a:endParaRPr lang="en-US"/>
           </a:p>
@@ -1533,7 +1534,7 @@
           <a:p>
             <a:fld id="{2945E16F-4840-DE47-A3AB-5C9E0815BE1A}" type="datetimeFigureOut">
               <a:rPr lang="en-US" smtClean="0"/>
-              <a:t>1/4/2019</a:t>
+              <a:t>1/11/2019</a:t>
             </a:fld>
             <a:endParaRPr lang="en-US"/>
           </a:p>
@@ -1575,7 +1576,7 @@
           <a:p>
             <a:fld id="{825CA4A4-722C-0545-B923-FC1AFF0745DC}" type="slidenum">
               <a:rPr lang="en-US" smtClean="0"/>
-              <a:t>‹nº›</a:t>
+              <a:t>‹#›</a:t>
             </a:fld>
             <a:endParaRPr lang="en-US"/>
           </a:p>
@@ -1713,7 +1714,7 @@
           <a:p>
             <a:fld id="{2945E16F-4840-DE47-A3AB-5C9E0815BE1A}" type="datetimeFigureOut">
               <a:rPr lang="en-US" smtClean="0"/>
-              <a:t>1/4/2019</a:t>
+              <a:t>1/11/2019</a:t>
             </a:fld>
             <a:endParaRPr lang="en-US"/>
           </a:p>
@@ -1755,7 +1756,7 @@
           <a:p>
             <a:fld id="{825CA4A4-722C-0545-B923-FC1AFF0745DC}" type="slidenum">
               <a:rPr lang="en-US" smtClean="0"/>
-              <a:t>‹nº›</a:t>
+              <a:t>‹#›</a:t>
             </a:fld>
             <a:endParaRPr lang="en-US"/>
           </a:p>
@@ -1883,7 +1884,7 @@
           <a:p>
             <a:fld id="{2945E16F-4840-DE47-A3AB-5C9E0815BE1A}" type="datetimeFigureOut">
               <a:rPr lang="en-US" smtClean="0"/>
-              <a:t>1/4/2019</a:t>
+              <a:t>1/11/2019</a:t>
             </a:fld>
             <a:endParaRPr lang="en-US"/>
           </a:p>
@@ -1925,7 +1926,7 @@
           <a:p>
             <a:fld id="{825CA4A4-722C-0545-B923-FC1AFF0745DC}" type="slidenum">
               <a:rPr lang="en-US" smtClean="0"/>
-              <a:t>‹nº›</a:t>
+              <a:t>‹#›</a:t>
             </a:fld>
             <a:endParaRPr lang="en-US"/>
           </a:p>
@@ -2129,7 +2130,7 @@
           <a:p>
             <a:fld id="{2945E16F-4840-DE47-A3AB-5C9E0815BE1A}" type="datetimeFigureOut">
               <a:rPr lang="en-US" smtClean="0"/>
-              <a:t>1/4/2019</a:t>
+              <a:t>1/11/2019</a:t>
             </a:fld>
             <a:endParaRPr lang="en-US"/>
           </a:p>
@@ -2171,7 +2172,7 @@
           <a:p>
             <a:fld id="{825CA4A4-722C-0545-B923-FC1AFF0745DC}" type="slidenum">
               <a:rPr lang="en-US" smtClean="0"/>
-              <a:t>‹nº›</a:t>
+              <a:t>‹#›</a:t>
             </a:fld>
             <a:endParaRPr lang="en-US"/>
           </a:p>
@@ -2417,7 +2418,7 @@
           <a:p>
             <a:fld id="{2945E16F-4840-DE47-A3AB-5C9E0815BE1A}" type="datetimeFigureOut">
               <a:rPr lang="en-US" smtClean="0"/>
-              <a:t>1/4/2019</a:t>
+              <a:t>1/11/2019</a:t>
             </a:fld>
             <a:endParaRPr lang="en-US"/>
           </a:p>
@@ -2459,7 +2460,7 @@
           <a:p>
             <a:fld id="{825CA4A4-722C-0545-B923-FC1AFF0745DC}" type="slidenum">
               <a:rPr lang="en-US" smtClean="0"/>
-              <a:t>‹nº›</a:t>
+              <a:t>‹#›</a:t>
             </a:fld>
             <a:endParaRPr lang="en-US"/>
           </a:p>
@@ -2839,7 +2840,7 @@
           <a:p>
             <a:fld id="{2945E16F-4840-DE47-A3AB-5C9E0815BE1A}" type="datetimeFigureOut">
               <a:rPr lang="en-US" smtClean="0"/>
-              <a:t>1/4/2019</a:t>
+              <a:t>1/11/2019</a:t>
             </a:fld>
             <a:endParaRPr lang="en-US"/>
           </a:p>
@@ -2881,7 +2882,7 @@
           <a:p>
             <a:fld id="{825CA4A4-722C-0545-B923-FC1AFF0745DC}" type="slidenum">
               <a:rPr lang="en-US" smtClean="0"/>
-              <a:t>‹nº›</a:t>
+              <a:t>‹#›</a:t>
             </a:fld>
             <a:endParaRPr lang="en-US"/>
           </a:p>
@@ -2957,7 +2958,7 @@
           <a:p>
             <a:fld id="{2945E16F-4840-DE47-A3AB-5C9E0815BE1A}" type="datetimeFigureOut">
               <a:rPr lang="en-US" smtClean="0"/>
-              <a:t>1/4/2019</a:t>
+              <a:t>1/11/2019</a:t>
             </a:fld>
             <a:endParaRPr lang="en-US"/>
           </a:p>
@@ -2999,7 +3000,7 @@
           <a:p>
             <a:fld id="{825CA4A4-722C-0545-B923-FC1AFF0745DC}" type="slidenum">
               <a:rPr lang="en-US" smtClean="0"/>
-              <a:t>‹nº›</a:t>
+              <a:t>‹#›</a:t>
             </a:fld>
             <a:endParaRPr lang="en-US"/>
           </a:p>
@@ -3052,7 +3053,7 @@
           <a:p>
             <a:fld id="{2945E16F-4840-DE47-A3AB-5C9E0815BE1A}" type="datetimeFigureOut">
               <a:rPr lang="en-US" smtClean="0"/>
-              <a:t>1/4/2019</a:t>
+              <a:t>1/11/2019</a:t>
             </a:fld>
             <a:endParaRPr lang="en-US"/>
           </a:p>
@@ -3094,7 +3095,7 @@
           <a:p>
             <a:fld id="{825CA4A4-722C-0545-B923-FC1AFF0745DC}" type="slidenum">
               <a:rPr lang="en-US" smtClean="0"/>
-              <a:t>‹nº›</a:t>
+              <a:t>‹#›</a:t>
             </a:fld>
             <a:endParaRPr lang="en-US"/>
           </a:p>
@@ -3329,7 +3330,7 @@
           <a:p>
             <a:fld id="{2945E16F-4840-DE47-A3AB-5C9E0815BE1A}" type="datetimeFigureOut">
               <a:rPr lang="en-US" smtClean="0"/>
-              <a:t>1/4/2019</a:t>
+              <a:t>1/11/2019</a:t>
             </a:fld>
             <a:endParaRPr lang="en-US"/>
           </a:p>
@@ -3371,7 +3372,7 @@
           <a:p>
             <a:fld id="{825CA4A4-722C-0545-B923-FC1AFF0745DC}" type="slidenum">
               <a:rPr lang="en-US" smtClean="0"/>
-              <a:t>‹nº›</a:t>
+              <a:t>‹#›</a:t>
             </a:fld>
             <a:endParaRPr lang="en-US"/>
           </a:p>
@@ -3582,7 +3583,7 @@
           <a:p>
             <a:fld id="{2945E16F-4840-DE47-A3AB-5C9E0815BE1A}" type="datetimeFigureOut">
               <a:rPr lang="en-US" smtClean="0"/>
-              <a:t>1/4/2019</a:t>
+              <a:t>1/11/2019</a:t>
             </a:fld>
             <a:endParaRPr lang="en-US"/>
           </a:p>
@@ -3624,7 +3625,7 @@
           <a:p>
             <a:fld id="{825CA4A4-722C-0545-B923-FC1AFF0745DC}" type="slidenum">
               <a:rPr lang="en-US" smtClean="0"/>
-              <a:t>‹nº›</a:t>
+              <a:t>‹#›</a:t>
             </a:fld>
             <a:endParaRPr lang="en-US"/>
           </a:p>
@@ -3795,7 +3796,7 @@
           <a:p>
             <a:fld id="{2945E16F-4840-DE47-A3AB-5C9E0815BE1A}" type="datetimeFigureOut">
               <a:rPr lang="en-US" smtClean="0"/>
-              <a:t>1/4/2019</a:t>
+              <a:t>1/11/2019</a:t>
             </a:fld>
             <a:endParaRPr lang="en-US"/>
           </a:p>
@@ -3873,7 +3874,7 @@
           <a:p>
             <a:fld id="{825CA4A4-722C-0545-B923-FC1AFF0745DC}" type="slidenum">
               <a:rPr lang="en-US" smtClean="0"/>
-              <a:t>‹nº›</a:t>
+              <a:t>‹#›</a:t>
             </a:fld>
             <a:endParaRPr lang="en-US"/>
           </a:p>
@@ -5095,27 +5096,7 @@
                 <a:latin typeface="Lucida Sans"/>
                 <a:cs typeface="Lucida Sans"/>
               </a:rPr>
-              <a:t>Spring </a:t>
-            </a:r>
-            <a:r>
-              <a:rPr lang="pt-BR" sz="2800" dirty="0" smtClean="0">
-                <a:solidFill>
-                  <a:srgbClr val="1E435B"/>
-                </a:solidFill>
-                <a:latin typeface="Lucida Sans"/>
-                <a:cs typeface="Lucida Sans"/>
-              </a:rPr>
-              <a:t>MVC - M</a:t>
-            </a:r>
-            <a:r>
-              <a:rPr lang="pt-BR" sz="2800" dirty="0" smtClean="0">
-                <a:solidFill>
-                  <a:srgbClr val="1E435B"/>
-                </a:solidFill>
-                <a:latin typeface="Lucida Sans"/>
-                <a:cs typeface="Lucida Sans"/>
-              </a:rPr>
-              <a:t>edia </a:t>
+              <a:t>Spring MVC - Media </a:t>
             </a:r>
             <a:r>
               <a:rPr lang="pt-BR" sz="2800" dirty="0" err="1" smtClean="0">
@@ -5367,17 +5348,7 @@
                 <a:latin typeface="Lucida Sans"/>
                 <a:cs typeface="Lucida Sans"/>
               </a:rPr>
-              <a:t>Spring </a:t>
-            </a:r>
-            <a:r>
-              <a:rPr lang="pt-BR" sz="3200" dirty="0" smtClean="0">
-                <a:solidFill>
-                  <a:srgbClr val="1E435B"/>
-                </a:solidFill>
-                <a:latin typeface="Lucida Sans"/>
-                <a:cs typeface="Lucida Sans"/>
-              </a:rPr>
-              <a:t>MVC - </a:t>
+              <a:t>Spring MVC - </a:t>
             </a:r>
             <a:r>
               <a:rPr lang="pt-BR" sz="3200" dirty="0">
@@ -5605,17 +5576,7 @@
                 <a:latin typeface="Lucida Sans"/>
                 <a:cs typeface="Lucida Sans"/>
               </a:rPr>
-              <a:t>Spring </a:t>
-            </a:r>
-            <a:r>
-              <a:rPr lang="pt-BR" sz="3200" dirty="0" smtClean="0">
-                <a:solidFill>
-                  <a:srgbClr val="1E435B"/>
-                </a:solidFill>
-                <a:latin typeface="Lucida Sans"/>
-                <a:cs typeface="Lucida Sans"/>
-              </a:rPr>
-              <a:t>MVC -</a:t>
+              <a:t>Spring MVC -</a:t>
             </a:r>
             <a:r>
               <a:rPr lang="pt-BR" sz="3200" dirty="0">
@@ -6038,7 +5999,17 @@
                 <a:latin typeface="Lucida Sans"/>
                 <a:cs typeface="Lucida Sans"/>
               </a:rPr>
-              <a:t>Spring </a:t>
+              <a:t>Spring MVC -</a:t>
+            </a:r>
+            <a:r>
+              <a:rPr lang="pt-BR" sz="3200" dirty="0">
+                <a:solidFill>
+                  <a:srgbClr val="1E435B"/>
+                </a:solidFill>
+                <a:latin typeface="Lucida Sans"/>
+                <a:cs typeface="Lucida Sans"/>
+              </a:rPr>
+              <a:t> </a:t>
             </a:r>
             <a:r>
               <a:rPr lang="pt-BR" sz="3200" dirty="0" smtClean="0">
@@ -6048,9 +6019,9 @@
                 <a:latin typeface="Lucida Sans"/>
                 <a:cs typeface="Lucida Sans"/>
               </a:rPr>
-              <a:t>MVC</a:t>
-            </a:r>
-            <a:endParaRPr lang="pt-BR" sz="3200" b="1" i="1" dirty="0">
+              <a:t>Extras</a:t>
+            </a:r>
+            <a:endParaRPr lang="pt-BR" sz="3200" dirty="0">
               <a:solidFill>
                 <a:srgbClr val="1E435B"/>
               </a:solidFill>
@@ -6171,10 +6142,39 @@
           </a:prstGeom>
         </p:spPr>
       </p:pic>
+      <p:sp>
+        <p:nvSpPr>
+          <p:cNvPr id="3" name="Rectangle 2"/>
+          <p:cNvSpPr/>
+          <p:nvPr/>
+        </p:nvSpPr>
+        <p:spPr>
+          <a:xfrm>
+            <a:off x="2286000" y="1210813"/>
+            <a:ext cx="4572000" cy="923330"/>
+          </a:xfrm>
+          <a:prstGeom prst="rect">
+            <a:avLst/>
+          </a:prstGeom>
+        </p:spPr>
+        <p:txBody>
+          <a:bodyPr>
+            <a:spAutoFit/>
+          </a:bodyPr>
+          <a:lstStyle/>
+          <a:p>
+            <a:pPr algn="ctr"/>
+            <a:r>
+              <a:rPr lang="en-GB" dirty="0"/>
+              <a:t>https://domineospring.wordpress.com/2015/09/16/sera-que-voce-sabe-tudo-das-configuracoes-do-seu-projeto-com-spring/</a:t>
+            </a:r>
+          </a:p>
+        </p:txBody>
+      </p:sp>
     </p:spTree>
     <p:extLst>
       <p:ext uri="{BB962C8B-B14F-4D97-AF65-F5344CB8AC3E}">
-        <p14:creationId xmlns:p14="http://schemas.microsoft.com/office/powerpoint/2010/main" val="2075997102"/>
+        <p14:creationId xmlns:p14="http://schemas.microsoft.com/office/powerpoint/2010/main" val="3128964347"/>
       </p:ext>
     </p:extLst>
   </p:cSld>
